--- a/20230918_Ubuntu安裝_410580066_林彥希.pptx
+++ b/20230918_Ubuntu安裝_410580066_林彥希.pptx
@@ -267,7 +267,7 @@
           <a:p>
             <a:fld id="{D02DD82A-347B-4E6E-B21A-1BD9A6CDA84B}" type="datetimeFigureOut">
               <a:rPr lang="zh-TW" altLang="en-US" smtClean="0"/>
-              <a:t>2023/9/18</a:t>
+              <a:t>2023/9/19</a:t>
             </a:fld>
             <a:endParaRPr lang="zh-TW" altLang="en-US"/>
           </a:p>
@@ -437,7 +437,7 @@
           <a:p>
             <a:fld id="{D02DD82A-347B-4E6E-B21A-1BD9A6CDA84B}" type="datetimeFigureOut">
               <a:rPr lang="zh-TW" altLang="en-US" smtClean="0"/>
-              <a:t>2023/9/18</a:t>
+              <a:t>2023/9/19</a:t>
             </a:fld>
             <a:endParaRPr lang="zh-TW" altLang="en-US"/>
           </a:p>
@@ -617,7 +617,7 @@
           <a:p>
             <a:fld id="{D02DD82A-347B-4E6E-B21A-1BD9A6CDA84B}" type="datetimeFigureOut">
               <a:rPr lang="zh-TW" altLang="en-US" smtClean="0"/>
-              <a:t>2023/9/18</a:t>
+              <a:t>2023/9/19</a:t>
             </a:fld>
             <a:endParaRPr lang="zh-TW" altLang="en-US"/>
           </a:p>
@@ -787,7 +787,7 @@
           <a:p>
             <a:fld id="{D02DD82A-347B-4E6E-B21A-1BD9A6CDA84B}" type="datetimeFigureOut">
               <a:rPr lang="zh-TW" altLang="en-US" smtClean="0"/>
-              <a:t>2023/9/18</a:t>
+              <a:t>2023/9/19</a:t>
             </a:fld>
             <a:endParaRPr lang="zh-TW" altLang="en-US"/>
           </a:p>
@@ -1033,7 +1033,7 @@
           <a:p>
             <a:fld id="{D02DD82A-347B-4E6E-B21A-1BD9A6CDA84B}" type="datetimeFigureOut">
               <a:rPr lang="zh-TW" altLang="en-US" smtClean="0"/>
-              <a:t>2023/9/18</a:t>
+              <a:t>2023/9/19</a:t>
             </a:fld>
             <a:endParaRPr lang="zh-TW" altLang="en-US"/>
           </a:p>
@@ -1265,7 +1265,7 @@
           <a:p>
             <a:fld id="{D02DD82A-347B-4E6E-B21A-1BD9A6CDA84B}" type="datetimeFigureOut">
               <a:rPr lang="zh-TW" altLang="en-US" smtClean="0"/>
-              <a:t>2023/9/18</a:t>
+              <a:t>2023/9/19</a:t>
             </a:fld>
             <a:endParaRPr lang="zh-TW" altLang="en-US"/>
           </a:p>
@@ -1632,7 +1632,7 @@
           <a:p>
             <a:fld id="{D02DD82A-347B-4E6E-B21A-1BD9A6CDA84B}" type="datetimeFigureOut">
               <a:rPr lang="zh-TW" altLang="en-US" smtClean="0"/>
-              <a:t>2023/9/18</a:t>
+              <a:t>2023/9/19</a:t>
             </a:fld>
             <a:endParaRPr lang="zh-TW" altLang="en-US"/>
           </a:p>
@@ -1750,7 +1750,7 @@
           <a:p>
             <a:fld id="{D02DD82A-347B-4E6E-B21A-1BD9A6CDA84B}" type="datetimeFigureOut">
               <a:rPr lang="zh-TW" altLang="en-US" smtClean="0"/>
-              <a:t>2023/9/18</a:t>
+              <a:t>2023/9/19</a:t>
             </a:fld>
             <a:endParaRPr lang="zh-TW" altLang="en-US"/>
           </a:p>
@@ -1845,7 +1845,7 @@
           <a:p>
             <a:fld id="{D02DD82A-347B-4E6E-B21A-1BD9A6CDA84B}" type="datetimeFigureOut">
               <a:rPr lang="zh-TW" altLang="en-US" smtClean="0"/>
-              <a:t>2023/9/18</a:t>
+              <a:t>2023/9/19</a:t>
             </a:fld>
             <a:endParaRPr lang="zh-TW" altLang="en-US"/>
           </a:p>
@@ -2122,7 +2122,7 @@
           <a:p>
             <a:fld id="{D02DD82A-347B-4E6E-B21A-1BD9A6CDA84B}" type="datetimeFigureOut">
               <a:rPr lang="zh-TW" altLang="en-US" smtClean="0"/>
-              <a:t>2023/9/18</a:t>
+              <a:t>2023/9/19</a:t>
             </a:fld>
             <a:endParaRPr lang="zh-TW" altLang="en-US"/>
           </a:p>
@@ -2375,7 +2375,7 @@
           <a:p>
             <a:fld id="{D02DD82A-347B-4E6E-B21A-1BD9A6CDA84B}" type="datetimeFigureOut">
               <a:rPr lang="zh-TW" altLang="en-US" smtClean="0"/>
-              <a:t>2023/9/18</a:t>
+              <a:t>2023/9/19</a:t>
             </a:fld>
             <a:endParaRPr lang="zh-TW" altLang="en-US"/>
           </a:p>
@@ -2588,7 +2588,7 @@
           <a:p>
             <a:fld id="{D02DD82A-347B-4E6E-B21A-1BD9A6CDA84B}" type="datetimeFigureOut">
               <a:rPr lang="zh-TW" altLang="en-US" smtClean="0"/>
-              <a:t>2023/9/18</a:t>
+              <a:t>2023/9/19</a:t>
             </a:fld>
             <a:endParaRPr lang="zh-TW" altLang="en-US"/>
           </a:p>
@@ -6059,45 +6059,9 @@
           <a:chExt cx="0" cy="0"/>
         </a:xfrm>
       </p:grpSpPr>
-      <p:sp>
-        <p:nvSpPr>
-          <p:cNvPr id="2" name="標題 1"/>
-          <p:cNvSpPr>
-            <a:spLocks noGrp="1"/>
-          </p:cNvSpPr>
-          <p:nvPr>
-            <p:ph type="title"/>
-          </p:nvPr>
-        </p:nvSpPr>
-        <p:spPr/>
-        <p:txBody>
-          <a:bodyPr/>
-          <a:lstStyle/>
-          <a:p>
-            <a:r>
-              <a:rPr lang="en-US" altLang="zh-TW" dirty="0" smtClean="0">
-                <a:latin typeface="標楷體" panose="03000509000000000000" pitchFamily="65" charset="-120"/>
-                <a:ea typeface="標楷體" panose="03000509000000000000" pitchFamily="65" charset="-120"/>
-              </a:rPr>
-              <a:t>3.</a:t>
-            </a:r>
-            <a:r>
-              <a:rPr lang="zh-TW" altLang="en-US" dirty="0" smtClean="0">
-                <a:latin typeface="標楷體" panose="03000509000000000000" pitchFamily="65" charset="-120"/>
-                <a:ea typeface="標楷體" panose="03000509000000000000" pitchFamily="65" charset="-120"/>
-              </a:rPr>
-              <a:t>輸入玩虛擬機名稱以及確認存放位置後點選下一步</a:t>
-            </a:r>
-            <a:endParaRPr lang="zh-TW" altLang="en-US" dirty="0">
-              <a:latin typeface="標楷體" panose="03000509000000000000" pitchFamily="65" charset="-120"/>
-              <a:ea typeface="標楷體" panose="03000509000000000000" pitchFamily="65" charset="-120"/>
-            </a:endParaRPr>
-          </a:p>
-        </p:txBody>
-      </p:sp>
       <p:pic>
         <p:nvPicPr>
-          <p:cNvPr id="4" name="圖片 3"/>
+          <p:cNvPr id="7" name="圖片 6"/>
           <p:cNvPicPr>
             <a:picLocks noChangeAspect="1"/>
           </p:cNvPicPr>
@@ -6111,8 +6075,8 @@
         </p:blipFill>
         <p:spPr>
           <a:xfrm>
-            <a:off x="2176272" y="1977491"/>
-            <a:ext cx="7502310" cy="4296295"/>
+            <a:off x="2762801" y="2193232"/>
+            <a:ext cx="6666397" cy="3777276"/>
           </a:xfrm>
           <a:prstGeom prst="rect">
             <a:avLst/>
@@ -6121,14 +6085,57 @@
       </p:pic>
       <p:sp>
         <p:nvSpPr>
-          <p:cNvPr id="5" name="矩形 4"/>
+          <p:cNvPr id="2" name="標題 1"/>
+          <p:cNvSpPr>
+            <a:spLocks noGrp="1"/>
+          </p:cNvSpPr>
+          <p:nvPr>
+            <p:ph type="title"/>
+          </p:nvPr>
+        </p:nvSpPr>
+        <p:spPr/>
+        <p:txBody>
+          <a:bodyPr/>
+          <a:lstStyle/>
+          <a:p>
+            <a:r>
+              <a:rPr lang="en-US" altLang="zh-TW" dirty="0" smtClean="0">
+                <a:latin typeface="標楷體" panose="03000509000000000000" pitchFamily="65" charset="-120"/>
+                <a:ea typeface="標楷體" panose="03000509000000000000" pitchFamily="65" charset="-120"/>
+              </a:rPr>
+              <a:t>3.</a:t>
+            </a:r>
+            <a:r>
+              <a:rPr lang="zh-TW" altLang="en-US" dirty="0" smtClean="0">
+                <a:latin typeface="標楷體" panose="03000509000000000000" pitchFamily="65" charset="-120"/>
+                <a:ea typeface="標楷體" panose="03000509000000000000" pitchFamily="65" charset="-120"/>
+              </a:rPr>
+              <a:t>輸入完虛擬</a:t>
+            </a:r>
+            <a:r>
+              <a:rPr lang="zh-TW" altLang="en-US" dirty="0" smtClean="0">
+                <a:latin typeface="標楷體" panose="03000509000000000000" pitchFamily="65" charset="-120"/>
+                <a:ea typeface="標楷體" panose="03000509000000000000" pitchFamily="65" charset="-120"/>
+              </a:rPr>
+              <a:t>機名稱以及確認存放位置後點選下一步</a:t>
+            </a:r>
+            <a:endParaRPr lang="zh-TW" altLang="en-US" dirty="0">
+              <a:latin typeface="標楷體" panose="03000509000000000000" pitchFamily="65" charset="-120"/>
+              <a:ea typeface="標楷體" panose="03000509000000000000" pitchFamily="65" charset="-120"/>
+            </a:endParaRPr>
+          </a:p>
+        </p:txBody>
+      </p:sp>
+      <p:sp>
+        <p:nvSpPr>
+          <p:cNvPr id="6" name="矩形 5"/>
           <p:cNvSpPr/>
           <p:nvPr/>
         </p:nvSpPr>
         <p:spPr>
           <a:xfrm>
-            <a:off x="6961632" y="5455920"/>
-            <a:ext cx="615696" cy="219456"/>
+            <a:off x="4474464" y="4309872"/>
+            <a:ext cx="3358896" cy="164592"/>
           </a:xfrm>
           <a:prstGeom prst="rect">
             <a:avLst/>
@@ -6167,14 +6174,14 @@
       </p:sp>
       <p:sp>
         <p:nvSpPr>
-          <p:cNvPr id="6" name="矩形 5"/>
+          <p:cNvPr id="5" name="矩形 4"/>
           <p:cNvSpPr/>
           <p:nvPr/>
         </p:nvSpPr>
         <p:spPr>
           <a:xfrm>
-            <a:off x="4285488" y="3852672"/>
-            <a:ext cx="3840480" cy="195072"/>
+            <a:off x="4834128" y="5242560"/>
+            <a:ext cx="926592" cy="188976"/>
           </a:xfrm>
           <a:prstGeom prst="rect">
             <a:avLst/>
@@ -6284,10 +6291,6 @@
               </a:rPr>
               <a:t>相關設置後點選下一步</a:t>
             </a:r>
-            <a:endParaRPr lang="zh-TW" altLang="en-US" dirty="0">
-              <a:latin typeface="標楷體" panose="03000509000000000000" pitchFamily="65" charset="-120"/>
-              <a:ea typeface="標楷體" panose="03000509000000000000" pitchFamily="65" charset="-120"/>
-            </a:endParaRPr>
           </a:p>
         </p:txBody>
       </p:sp>
@@ -6523,10 +6526,6 @@
               </a:rPr>
               <a:t>空間大小後點選下一步</a:t>
             </a:r>
-            <a:endParaRPr lang="zh-TW" altLang="en-US" dirty="0">
-              <a:latin typeface="標楷體" panose="03000509000000000000" pitchFamily="65" charset="-120"/>
-              <a:ea typeface="標楷體" panose="03000509000000000000" pitchFamily="65" charset="-120"/>
-            </a:endParaRPr>
           </a:p>
         </p:txBody>
       </p:sp>
